--- a/Return/Project Presentation.pptx
+++ b/Return/Project Presentation.pptx
@@ -19940,7 +19940,7 @@
 <file path=ppt/theme/theme1.xml><?xml version="1.0" encoding="utf-8"?>
 <a:theme xmlns:a="http://schemas.openxmlformats.org/drawingml/2006/main" name="Facette">
   <a:themeElements>
-    <a:clrScheme name="Facette">
+    <a:clrScheme name="Personnalisé 1">
       <a:dk1>
         <a:sysClr val="windowText" lastClr="000000"/>
       </a:dk1>
@@ -19954,7 +19954,7 @@
         <a:srgbClr val="EBEBEB"/>
       </a:lt2>
       <a:accent1>
-        <a:srgbClr val="5FCBEF"/>
+        <a:srgbClr val="16B0E3"/>
       </a:accent1>
       <a:accent2>
         <a:srgbClr val="2E83C3"/>
